--- a/Presentation.pptx
+++ b/Presentation.pptx
@@ -5,16 +5,18 @@
     <p:sldMasterId id="2147483768" r:id="rId1"/>
   </p:sldMasterIdLst>
   <p:notesMasterIdLst>
-    <p:notesMasterId r:id="rId6"/>
+    <p:notesMasterId r:id="rId8"/>
   </p:notesMasterIdLst>
   <p:handoutMasterIdLst>
-    <p:handoutMasterId r:id="rId7"/>
+    <p:handoutMasterId r:id="rId9"/>
   </p:handoutMasterIdLst>
   <p:sldIdLst>
     <p:sldId id="257" r:id="rId2"/>
     <p:sldId id="259" r:id="rId3"/>
     <p:sldId id="263" r:id="rId4"/>
     <p:sldId id="261" r:id="rId5"/>
+    <p:sldId id="264" r:id="rId6"/>
+    <p:sldId id="265" r:id="rId7"/>
   </p:sldIdLst>
   <p:sldSz cx="12192000" cy="6858000"/>
   <p:notesSz cx="6858000" cy="9144000"/>
@@ -17205,10 +17207,441 @@
           </a:extLst>
         </p:spPr>
       </p:pic>
+      <p:sp>
+        <p:nvSpPr>
+          <p:cNvPr id="50" name="Tekstiruutu 49">
+            <a:extLst>
+              <a:ext uri="{FF2B5EF4-FFF2-40B4-BE49-F238E27FC236}">
+                <a16:creationId xmlns:a16="http://schemas.microsoft.com/office/drawing/2014/main" id="{8FA5D9C3-3A97-7068-FB36-613D2B3D85AB}"/>
+              </a:ext>
+            </a:extLst>
+          </p:cNvPr>
+          <p:cNvSpPr txBox="1"/>
+          <p:nvPr/>
+        </p:nvSpPr>
+        <p:spPr>
+          <a:xfrm>
+            <a:off x="489528" y="1733673"/>
+            <a:ext cx="6096000" cy="369332"/>
+          </a:xfrm>
+          <a:prstGeom prst="rect">
+            <a:avLst/>
+          </a:prstGeom>
+          <a:noFill/>
+        </p:spPr>
+        <p:txBody>
+          <a:bodyPr wrap="square">
+            <a:spAutoFit/>
+          </a:bodyPr>
+          <a:lstStyle/>
+          <a:p>
+            <a:r>
+              <a:rPr lang="en-US" dirty="0">
+                <a:hlinkClick r:id="rId3"/>
+              </a:rPr>
+              <a:t>https://github.com/taskijanne/capstone</a:t>
+            </a:r>
+            <a:endParaRPr lang="en-US" dirty="0"/>
+          </a:p>
+        </p:txBody>
+      </p:sp>
     </p:spTree>
     <p:extLst>
       <p:ext uri="{BB962C8B-B14F-4D97-AF65-F5344CB8AC3E}">
         <p14:creationId xmlns:p14="http://schemas.microsoft.com/office/powerpoint/2010/main" val="657259839"/>
+      </p:ext>
+    </p:extLst>
+  </p:cSld>
+  <p:clrMapOvr>
+    <a:masterClrMapping/>
+  </p:clrMapOvr>
+</p:sld>
+</file>
+
+<file path=ppt/slides/slide5.xml><?xml version="1.0" encoding="utf-8"?>
+<p:sld xmlns:a="http://schemas.openxmlformats.org/drawingml/2006/main" xmlns:r="http://schemas.openxmlformats.org/officeDocument/2006/relationships" xmlns:p="http://schemas.openxmlformats.org/presentationml/2006/main">
+  <p:cSld>
+    <p:spTree>
+      <p:nvGrpSpPr>
+        <p:cNvPr id="1" name="">
+          <a:extLst>
+            <a:ext uri="{FF2B5EF4-FFF2-40B4-BE49-F238E27FC236}">
+              <a16:creationId xmlns:a16="http://schemas.microsoft.com/office/drawing/2014/main" id="{657C4E37-6248-19ED-CA68-AE6887D80336}"/>
+            </a:ext>
+          </a:extLst>
+        </p:cNvPr>
+        <p:cNvGrpSpPr/>
+        <p:nvPr/>
+      </p:nvGrpSpPr>
+      <p:grpSpPr>
+        <a:xfrm>
+          <a:off x="0" y="0"/>
+          <a:ext cx="0" cy="0"/>
+          <a:chOff x="0" y="0"/>
+          <a:chExt cx="0" cy="0"/>
+        </a:xfrm>
+      </p:grpSpPr>
+      <p:sp>
+        <p:nvSpPr>
+          <p:cNvPr id="2" name="Otsikko 1">
+            <a:extLst>
+              <a:ext uri="{FF2B5EF4-FFF2-40B4-BE49-F238E27FC236}">
+                <a16:creationId xmlns:a16="http://schemas.microsoft.com/office/drawing/2014/main" id="{08BE419D-7141-D3D9-A045-7DDF66F432FE}"/>
+              </a:ext>
+            </a:extLst>
+          </p:cNvPr>
+          <p:cNvSpPr>
+            <a:spLocks noGrp="1"/>
+          </p:cNvSpPr>
+          <p:nvPr>
+            <p:ph type="title"/>
+          </p:nvPr>
+        </p:nvSpPr>
+        <p:spPr/>
+        <p:txBody>
+          <a:bodyPr/>
+          <a:lstStyle/>
+          <a:p>
+            <a:r>
+              <a:rPr lang="en-GB" dirty="0"/>
+              <a:t>Use cases and improvements</a:t>
+            </a:r>
+          </a:p>
+        </p:txBody>
+      </p:sp>
+      <p:sp>
+        <p:nvSpPr>
+          <p:cNvPr id="5" name="Päivämäärän paikkamerkki 4">
+            <a:extLst>
+              <a:ext uri="{FF2B5EF4-FFF2-40B4-BE49-F238E27FC236}">
+                <a16:creationId xmlns:a16="http://schemas.microsoft.com/office/drawing/2014/main" id="{0D26F9E7-2A2A-166C-5894-ED7103603B5E}"/>
+              </a:ext>
+            </a:extLst>
+          </p:cNvPr>
+          <p:cNvSpPr>
+            <a:spLocks noGrp="1"/>
+          </p:cNvSpPr>
+          <p:nvPr>
+            <p:ph type="dt" sz="half" idx="2"/>
+          </p:nvPr>
+        </p:nvSpPr>
+        <p:spPr/>
+        <p:txBody>
+          <a:bodyPr/>
+          <a:lstStyle/>
+          <a:p>
+            <a:fld id="{A90DC808-9B4F-47F6-816E-B4DD926C39FF}" type="datetime1">
+              <a:rPr lang="en-GB" noProof="0" smtClean="0"/>
+              <a:pPr/>
+              <a:t>22/03/2025</a:t>
+            </a:fld>
+            <a:endParaRPr lang="en-GB" noProof="0"/>
+          </a:p>
+        </p:txBody>
+      </p:sp>
+      <p:sp>
+        <p:nvSpPr>
+          <p:cNvPr id="6" name="Dian numeron paikkamerkki 5">
+            <a:extLst>
+              <a:ext uri="{FF2B5EF4-FFF2-40B4-BE49-F238E27FC236}">
+                <a16:creationId xmlns:a16="http://schemas.microsoft.com/office/drawing/2014/main" id="{A4F929FC-F3EE-BC65-2C28-AA9A69871FCB}"/>
+              </a:ext>
+            </a:extLst>
+          </p:cNvPr>
+          <p:cNvSpPr>
+            <a:spLocks noGrp="1"/>
+          </p:cNvSpPr>
+          <p:nvPr>
+            <p:ph type="sldNum" sz="quarter" idx="4"/>
+          </p:nvPr>
+        </p:nvSpPr>
+        <p:spPr/>
+        <p:txBody>
+          <a:bodyPr/>
+          <a:lstStyle/>
+          <a:p>
+            <a:r>
+              <a:rPr lang="en-GB" noProof="0"/>
+              <a:t>|  </a:t>
+            </a:r>
+            <a:fld id="{CDC8994D-33BE-6F4B-918B-78B2D731EB1C}" type="slidenum">
+              <a:rPr lang="en-GB" noProof="0" smtClean="0"/>
+              <a:pPr/>
+              <a:t>5</a:t>
+            </a:fld>
+            <a:endParaRPr lang="en-GB" noProof="0"/>
+          </a:p>
+        </p:txBody>
+      </p:sp>
+      <p:sp>
+        <p:nvSpPr>
+          <p:cNvPr id="4" name="Tekstiruutu 3">
+            <a:extLst>
+              <a:ext uri="{FF2B5EF4-FFF2-40B4-BE49-F238E27FC236}">
+                <a16:creationId xmlns:a16="http://schemas.microsoft.com/office/drawing/2014/main" id="{E50D07DC-3FE6-4BFD-6D8D-2261EBF149FF}"/>
+              </a:ext>
+            </a:extLst>
+          </p:cNvPr>
+          <p:cNvSpPr txBox="1"/>
+          <p:nvPr/>
+        </p:nvSpPr>
+        <p:spPr>
+          <a:xfrm>
+            <a:off x="548945" y="1958109"/>
+            <a:ext cx="11073471" cy="3139321"/>
+          </a:xfrm>
+          <a:prstGeom prst="rect">
+            <a:avLst/>
+          </a:prstGeom>
+          <a:noFill/>
+        </p:spPr>
+        <p:txBody>
+          <a:bodyPr wrap="square" rtlCol="0">
+            <a:spAutoFit/>
+          </a:bodyPr>
+          <a:lstStyle/>
+          <a:p>
+            <a:pPr marL="285750" indent="-285750">
+              <a:lnSpc>
+                <a:spcPct val="150000"/>
+              </a:lnSpc>
+              <a:buFont typeface="Arial" panose="020B0604020202020204" pitchFamily="34" charset="0"/>
+              <a:buChar char="•"/>
+            </a:pPr>
+            <a:r>
+              <a:rPr lang="en-US" dirty="0"/>
+              <a:t>Possible use cases</a:t>
+            </a:r>
+          </a:p>
+          <a:p>
+            <a:pPr marL="742950" lvl="1" indent="-285750">
+              <a:lnSpc>
+                <a:spcPct val="150000"/>
+              </a:lnSpc>
+              <a:buFont typeface="Arial" panose="020B0604020202020204" pitchFamily="34" charset="0"/>
+              <a:buChar char="•"/>
+            </a:pPr>
+            <a:r>
+              <a:rPr lang="en-US" dirty="0"/>
+              <a:t>Wrapper for internal knowledge bases</a:t>
+            </a:r>
+          </a:p>
+          <a:p>
+            <a:pPr marL="742950" lvl="1" indent="-285750">
+              <a:lnSpc>
+                <a:spcPct val="150000"/>
+              </a:lnSpc>
+              <a:buFont typeface="Arial" panose="020B0604020202020204" pitchFamily="34" charset="0"/>
+              <a:buChar char="•"/>
+            </a:pPr>
+            <a:r>
+              <a:rPr lang="en-US" dirty="0"/>
+              <a:t>Include in RAG-workflow as the retrieval part</a:t>
+            </a:r>
+          </a:p>
+          <a:p>
+            <a:pPr marL="285750" indent="-285750">
+              <a:lnSpc>
+                <a:spcPct val="150000"/>
+              </a:lnSpc>
+              <a:buFont typeface="Arial" panose="020B0604020202020204" pitchFamily="34" charset="0"/>
+              <a:buChar char="•"/>
+            </a:pPr>
+            <a:r>
+              <a:rPr lang="en-US" dirty="0"/>
+              <a:t>Improvements</a:t>
+            </a:r>
+          </a:p>
+          <a:p>
+            <a:pPr marL="742950" lvl="1" indent="-285750">
+              <a:lnSpc>
+                <a:spcPct val="150000"/>
+              </a:lnSpc>
+              <a:buFont typeface="Arial" panose="020B0604020202020204" pitchFamily="34" charset="0"/>
+              <a:buChar char="•"/>
+            </a:pPr>
+            <a:r>
+              <a:rPr lang="en-US" dirty="0"/>
+              <a:t>Train the model further with more diverse or use-case specific examples</a:t>
+            </a:r>
+          </a:p>
+          <a:p>
+            <a:pPr marL="742950" lvl="1" indent="-285750">
+              <a:lnSpc>
+                <a:spcPct val="150000"/>
+              </a:lnSpc>
+              <a:buFont typeface="Arial" panose="020B0604020202020204" pitchFamily="34" charset="0"/>
+              <a:buChar char="•"/>
+            </a:pPr>
+            <a:r>
+              <a:rPr lang="en-US" dirty="0"/>
+              <a:t>Conduct more in-depth analysis of existing pre-trained models </a:t>
+            </a:r>
+            <a:r>
+              <a:rPr lang="en-US" dirty="0" err="1"/>
+              <a:t>v.s</a:t>
+            </a:r>
+            <a:r>
+              <a:rPr lang="en-US" dirty="0"/>
+              <a:t>. custom models for this case</a:t>
+            </a:r>
+          </a:p>
+          <a:p>
+            <a:pPr marL="285750" indent="-285750">
+              <a:buFont typeface="Arial" panose="020B0604020202020204" pitchFamily="34" charset="0"/>
+              <a:buChar char="•"/>
+            </a:pPr>
+            <a:endParaRPr lang="en-US" dirty="0"/>
+          </a:p>
+          <a:p>
+            <a:pPr marL="285750" indent="-285750">
+              <a:buFont typeface="Arial" panose="020B0604020202020204" pitchFamily="34" charset="0"/>
+              <a:buChar char="•"/>
+            </a:pPr>
+            <a:endParaRPr lang="en-US" dirty="0"/>
+          </a:p>
+        </p:txBody>
+      </p:sp>
+    </p:spTree>
+    <p:extLst>
+      <p:ext uri="{BB962C8B-B14F-4D97-AF65-F5344CB8AC3E}">
+        <p14:creationId xmlns:p14="http://schemas.microsoft.com/office/powerpoint/2010/main" val="1814084087"/>
+      </p:ext>
+    </p:extLst>
+  </p:cSld>
+  <p:clrMapOvr>
+    <a:masterClrMapping/>
+  </p:clrMapOvr>
+</p:sld>
+</file>
+
+<file path=ppt/slides/slide6.xml><?xml version="1.0" encoding="utf-8"?>
+<p:sld xmlns:a="http://schemas.openxmlformats.org/drawingml/2006/main" xmlns:r="http://schemas.openxmlformats.org/officeDocument/2006/relationships" xmlns:p="http://schemas.openxmlformats.org/presentationml/2006/main">
+  <p:cSld>
+    <p:spTree>
+      <p:nvGrpSpPr>
+        <p:cNvPr id="1" name="">
+          <a:extLst>
+            <a:ext uri="{FF2B5EF4-FFF2-40B4-BE49-F238E27FC236}">
+              <a16:creationId xmlns:a16="http://schemas.microsoft.com/office/drawing/2014/main" id="{00E73045-4C7B-0A63-9432-BFD7DE1EC471}"/>
+            </a:ext>
+          </a:extLst>
+        </p:cNvPr>
+        <p:cNvGrpSpPr/>
+        <p:nvPr/>
+      </p:nvGrpSpPr>
+      <p:grpSpPr>
+        <a:xfrm>
+          <a:off x="0" y="0"/>
+          <a:ext cx="0" cy="0"/>
+          <a:chOff x="0" y="0"/>
+          <a:chExt cx="0" cy="0"/>
+        </a:xfrm>
+      </p:grpSpPr>
+      <p:sp>
+        <p:nvSpPr>
+          <p:cNvPr id="2" name="Otsikko 1">
+            <a:extLst>
+              <a:ext uri="{FF2B5EF4-FFF2-40B4-BE49-F238E27FC236}">
+                <a16:creationId xmlns:a16="http://schemas.microsoft.com/office/drawing/2014/main" id="{52C66C54-7BB0-DDD5-2323-FFB634993D4F}"/>
+              </a:ext>
+            </a:extLst>
+          </p:cNvPr>
+          <p:cNvSpPr>
+            <a:spLocks noGrp="1"/>
+          </p:cNvSpPr>
+          <p:nvPr>
+            <p:ph type="ctrTitle"/>
+          </p:nvPr>
+        </p:nvSpPr>
+        <p:spPr/>
+        <p:txBody>
+          <a:bodyPr/>
+          <a:lstStyle/>
+          <a:p>
+            <a:r>
+              <a:rPr lang="en-GB" dirty="0"/>
+              <a:t>Questions?</a:t>
+            </a:r>
+          </a:p>
+        </p:txBody>
+      </p:sp>
+      <p:sp>
+        <p:nvSpPr>
+          <p:cNvPr id="5" name="Päivämäärän paikkamerkki 4">
+            <a:extLst>
+              <a:ext uri="{FF2B5EF4-FFF2-40B4-BE49-F238E27FC236}">
+                <a16:creationId xmlns:a16="http://schemas.microsoft.com/office/drawing/2014/main" id="{B38D1F7A-99D1-6E0A-E21A-317AA35EA231}"/>
+              </a:ext>
+            </a:extLst>
+          </p:cNvPr>
+          <p:cNvSpPr>
+            <a:spLocks noGrp="1"/>
+          </p:cNvSpPr>
+          <p:nvPr>
+            <p:ph type="dt" sz="half" idx="2"/>
+          </p:nvPr>
+        </p:nvSpPr>
+        <p:spPr/>
+        <p:txBody>
+          <a:bodyPr/>
+          <a:lstStyle/>
+          <a:p>
+            <a:fld id="{A90DC808-9B4F-47F6-816E-B4DD926C39FF}" type="datetime1">
+              <a:rPr lang="en-GB" noProof="0" smtClean="0"/>
+              <a:pPr/>
+              <a:t>22/03/2025</a:t>
+            </a:fld>
+            <a:endParaRPr lang="en-GB" noProof="0"/>
+          </a:p>
+        </p:txBody>
+      </p:sp>
+      <p:sp>
+        <p:nvSpPr>
+          <p:cNvPr id="6" name="Dian numeron paikkamerkki 5">
+            <a:extLst>
+              <a:ext uri="{FF2B5EF4-FFF2-40B4-BE49-F238E27FC236}">
+                <a16:creationId xmlns:a16="http://schemas.microsoft.com/office/drawing/2014/main" id="{67E06DA9-FD25-F7EE-CF47-A9CE3F54B8EB}"/>
+              </a:ext>
+            </a:extLst>
+          </p:cNvPr>
+          <p:cNvSpPr>
+            <a:spLocks noGrp="1"/>
+          </p:cNvSpPr>
+          <p:nvPr>
+            <p:ph type="sldNum" sz="quarter" idx="4"/>
+          </p:nvPr>
+        </p:nvSpPr>
+        <p:spPr/>
+        <p:txBody>
+          <a:bodyPr/>
+          <a:lstStyle/>
+          <a:p>
+            <a:r>
+              <a:rPr lang="en-GB" noProof="0"/>
+              <a:t>|  </a:t>
+            </a:r>
+            <a:fld id="{CDC8994D-33BE-6F4B-918B-78B2D731EB1C}" type="slidenum">
+              <a:rPr lang="en-GB" noProof="0" smtClean="0">
+                <a:solidFill>
+                  <a:schemeClr val="bg1"/>
+                </a:solidFill>
+              </a:rPr>
+              <a:pPr/>
+              <a:t>6</a:t>
+            </a:fld>
+            <a:endParaRPr lang="en-GB" noProof="0">
+              <a:solidFill>
+                <a:schemeClr val="bg1"/>
+              </a:solidFill>
+            </a:endParaRPr>
+          </a:p>
+        </p:txBody>
+      </p:sp>
+    </p:spTree>
+    <p:extLst>
+      <p:ext uri="{BB962C8B-B14F-4D97-AF65-F5344CB8AC3E}">
+        <p14:creationId xmlns:p14="http://schemas.microsoft.com/office/powerpoint/2010/main" val="1838558875"/>
       </p:ext>
     </p:extLst>
   </p:cSld>

--- a/Presentation.pptx
+++ b/Presentation.pptx
@@ -194,7 +194,7 @@
           <a:p>
             <a:fld id="{3C11D06C-D5DE-814D-931E-02A0CE659BAA}" type="datetimeFigureOut">
               <a:rPr lang="fi-FI" smtClean="0"/>
-              <a:t>22.3.2025</a:t>
+              <a:t>25.3.2025</a:t>
             </a:fld>
             <a:endParaRPr lang="fi-FI"/>
           </a:p>
@@ -371,7 +371,7 @@
           <a:p>
             <a:fld id="{5CE9BFB5-475C-5B44-BA4D-42DE8089864D}" type="datetimeFigureOut">
               <a:rPr lang="fi-FI" smtClean="0"/>
-              <a:t>22.3.2025</a:t>
+              <a:t>25.3.2025</a:t>
             </a:fld>
             <a:endParaRPr lang="fi-FI"/>
           </a:p>
@@ -926,7 +926,7 @@
             <a:fld id="{A90DC808-9B4F-47F6-816E-B4DD926C39FF}" type="datetime1">
               <a:rPr lang="en-GB" noProof="0" smtClean="0"/>
               <a:pPr/>
-              <a:t>22/03/2025</a:t>
+              <a:t>25/03/2025</a:t>
             </a:fld>
             <a:endParaRPr lang="en-GB" noProof="0"/>
           </a:p>
@@ -1239,7 +1239,7 @@
             <a:fld id="{A90DC808-9B4F-47F6-816E-B4DD926C39FF}" type="datetime1">
               <a:rPr lang="en-GB" noProof="0" smtClean="0"/>
               <a:pPr/>
-              <a:t>22/03/2025</a:t>
+              <a:t>25/03/2025</a:t>
             </a:fld>
             <a:endParaRPr lang="en-GB" noProof="0"/>
           </a:p>
@@ -1377,7 +1377,7 @@
             <a:fld id="{A90DC808-9B4F-47F6-816E-B4DD926C39FF}" type="datetime1">
               <a:rPr lang="en-GB" noProof="0" smtClean="0"/>
               <a:pPr/>
-              <a:t>22/03/2025</a:t>
+              <a:t>25/03/2025</a:t>
             </a:fld>
             <a:endParaRPr lang="en-GB" noProof="0"/>
           </a:p>
@@ -1776,7 +1776,7 @@
             <a:fld id="{A90DC808-9B4F-47F6-816E-B4DD926C39FF}" type="datetime1">
               <a:rPr lang="en-GB" noProof="0" smtClean="0"/>
               <a:pPr/>
-              <a:t>22/03/2025</a:t>
+              <a:t>25/03/2025</a:t>
             </a:fld>
             <a:endParaRPr lang="en-GB" noProof="0"/>
           </a:p>
@@ -1976,7 +1976,7 @@
             <a:fld id="{A90DC808-9B4F-47F6-816E-B4DD926C39FF}" type="datetime1">
               <a:rPr lang="en-GB" noProof="0" smtClean="0"/>
               <a:pPr/>
-              <a:t>22/03/2025</a:t>
+              <a:t>25/03/2025</a:t>
             </a:fld>
             <a:endParaRPr lang="en-GB" noProof="0"/>
           </a:p>
@@ -2340,7 +2340,7 @@
             <a:fld id="{A90DC808-9B4F-47F6-816E-B4DD926C39FF}" type="datetime1">
               <a:rPr lang="en-GB" noProof="0" smtClean="0"/>
               <a:pPr/>
-              <a:t>22/03/2025</a:t>
+              <a:t>25/03/2025</a:t>
             </a:fld>
             <a:endParaRPr lang="en-GB" noProof="0"/>
           </a:p>
@@ -2832,7 +2832,7 @@
             <a:fld id="{A90DC808-9B4F-47F6-816E-B4DD926C39FF}" type="datetime1">
               <a:rPr lang="en-GB" noProof="0" smtClean="0"/>
               <a:pPr/>
-              <a:t>22/03/2025</a:t>
+              <a:t>25/03/2025</a:t>
             </a:fld>
             <a:endParaRPr lang="en-GB" noProof="0"/>
           </a:p>
@@ -3058,7 +3058,7 @@
             <a:fld id="{A90DC808-9B4F-47F6-816E-B4DD926C39FF}" type="datetime1">
               <a:rPr lang="en-GB" noProof="0" smtClean="0"/>
               <a:pPr/>
-              <a:t>22/03/2025</a:t>
+              <a:t>25/03/2025</a:t>
             </a:fld>
             <a:endParaRPr lang="en-GB" noProof="0"/>
           </a:p>
@@ -3464,7 +3464,7 @@
             <a:fld id="{A90DC808-9B4F-47F6-816E-B4DD926C39FF}" type="datetime1">
               <a:rPr lang="en-GB" noProof="0" smtClean="0"/>
               <a:pPr/>
-              <a:t>22/03/2025</a:t>
+              <a:t>25/03/2025</a:t>
             </a:fld>
             <a:endParaRPr lang="en-GB" noProof="0"/>
           </a:p>
@@ -3690,7 +3690,7 @@
             <a:fld id="{A90DC808-9B4F-47F6-816E-B4DD926C39FF}" type="datetime1">
               <a:rPr lang="en-GB" noProof="0" smtClean="0"/>
               <a:pPr/>
-              <a:t>22/03/2025</a:t>
+              <a:t>25/03/2025</a:t>
             </a:fld>
             <a:endParaRPr lang="en-GB" noProof="0"/>
           </a:p>
@@ -4078,7 +4078,7 @@
             <a:fld id="{A90DC808-9B4F-47F6-816E-B4DD926C39FF}" type="datetime1">
               <a:rPr lang="en-GB" noProof="0" smtClean="0"/>
               <a:pPr/>
-              <a:t>22/03/2025</a:t>
+              <a:t>25/03/2025</a:t>
             </a:fld>
             <a:endParaRPr lang="en-GB" noProof="0"/>
           </a:p>
@@ -4475,7 +4475,7 @@
             <a:fld id="{A90DC808-9B4F-47F6-816E-B4DD926C39FF}" type="datetime1">
               <a:rPr lang="en-GB" noProof="0" smtClean="0"/>
               <a:pPr/>
-              <a:t>22/03/2025</a:t>
+              <a:t>25/03/2025</a:t>
             </a:fld>
             <a:endParaRPr lang="en-GB" noProof="0"/>
           </a:p>
@@ -4784,7 +4784,7 @@
             <a:fld id="{A90DC808-9B4F-47F6-816E-B4DD926C39FF}" type="datetime1">
               <a:rPr lang="en-GB" noProof="0" smtClean="0"/>
               <a:pPr/>
-              <a:t>22/03/2025</a:t>
+              <a:t>25/03/2025</a:t>
             </a:fld>
             <a:endParaRPr lang="en-GB" noProof="0"/>
           </a:p>
@@ -5241,7 +5241,7 @@
             <a:fld id="{A90DC808-9B4F-47F6-816E-B4DD926C39FF}" type="datetime1">
               <a:rPr lang="en-GB" noProof="0" smtClean="0"/>
               <a:pPr/>
-              <a:t>22/03/2025</a:t>
+              <a:t>25/03/2025</a:t>
             </a:fld>
             <a:endParaRPr lang="en-GB" noProof="0"/>
           </a:p>
@@ -5516,7 +5516,7 @@
             <a:fld id="{A90DC808-9B4F-47F6-816E-B4DD926C39FF}" type="datetime1">
               <a:rPr lang="en-GB" noProof="0" smtClean="0"/>
               <a:pPr/>
-              <a:t>22/03/2025</a:t>
+              <a:t>25/03/2025</a:t>
             </a:fld>
             <a:endParaRPr lang="en-GB" noProof="0"/>
           </a:p>
@@ -5927,7 +5927,7 @@
             <a:fld id="{A90DC808-9B4F-47F6-816E-B4DD926C39FF}" type="datetime1">
               <a:rPr lang="en-GB" noProof="0" smtClean="0"/>
               <a:pPr/>
-              <a:t>22/03/2025</a:t>
+              <a:t>25/03/2025</a:t>
             </a:fld>
             <a:endParaRPr lang="en-GB" noProof="0"/>
           </a:p>
@@ -6245,7 +6245,7 @@
             <a:fld id="{A90DC808-9B4F-47F6-816E-B4DD926C39FF}" type="datetime1">
               <a:rPr lang="en-GB" noProof="0" smtClean="0"/>
               <a:pPr/>
-              <a:t>22/03/2025</a:t>
+              <a:t>25/03/2025</a:t>
             </a:fld>
             <a:endParaRPr lang="en-GB" noProof="0"/>
           </a:p>
@@ -6699,7 +6699,7 @@
             <a:fld id="{A90DC808-9B4F-47F6-816E-B4DD926C39FF}" type="datetime1">
               <a:rPr lang="en-GB" noProof="0" smtClean="0"/>
               <a:pPr/>
-              <a:t>22/03/2025</a:t>
+              <a:t>25/03/2025</a:t>
             </a:fld>
             <a:endParaRPr lang="en-GB" noProof="0"/>
           </a:p>
@@ -7454,7 +7454,7 @@
             <a:fld id="{A90DC808-9B4F-47F6-816E-B4DD926C39FF}" type="datetime1">
               <a:rPr lang="en-GB" noProof="0" smtClean="0"/>
               <a:pPr/>
-              <a:t>22/03/2025</a:t>
+              <a:t>25/03/2025</a:t>
             </a:fld>
             <a:endParaRPr lang="en-GB" noProof="0"/>
           </a:p>
@@ -8084,7 +8084,7 @@
             <a:fld id="{A90DC808-9B4F-47F6-816E-B4DD926C39FF}" type="datetime1">
               <a:rPr lang="en-GB" noProof="0" smtClean="0"/>
               <a:pPr/>
-              <a:t>22/03/2025</a:t>
+              <a:t>25/03/2025</a:t>
             </a:fld>
             <a:endParaRPr lang="en-GB" noProof="0"/>
           </a:p>
@@ -8370,7 +8370,7 @@
             <a:fld id="{A90DC808-9B4F-47F6-816E-B4DD926C39FF}" type="datetime1">
               <a:rPr lang="en-GB" noProof="0" smtClean="0"/>
               <a:pPr/>
-              <a:t>22/03/2025</a:t>
+              <a:t>25/03/2025</a:t>
             </a:fld>
             <a:endParaRPr lang="en-GB" noProof="0"/>
           </a:p>
@@ -8698,7 +8698,7 @@
             <a:fld id="{A90DC808-9B4F-47F6-816E-B4DD926C39FF}" type="datetime1">
               <a:rPr lang="en-GB" noProof="0" smtClean="0"/>
               <a:pPr/>
-              <a:t>22/03/2025</a:t>
+              <a:t>25/03/2025</a:t>
             </a:fld>
             <a:endParaRPr lang="en-GB" noProof="0"/>
           </a:p>
@@ -9082,7 +9082,7 @@
             <a:fld id="{A90DC808-9B4F-47F6-816E-B4DD926C39FF}" type="datetime1">
               <a:rPr lang="en-GB" noProof="0" smtClean="0"/>
               <a:pPr/>
-              <a:t>22/03/2025</a:t>
+              <a:t>25/03/2025</a:t>
             </a:fld>
             <a:endParaRPr lang="en-GB" noProof="0"/>
           </a:p>
@@ -9796,7 +9796,7 @@
             <a:fld id="{A90DC808-9B4F-47F6-816E-B4DD926C39FF}" type="datetime1">
               <a:rPr lang="en-GB" noProof="0" smtClean="0"/>
               <a:pPr/>
-              <a:t>22/03/2025</a:t>
+              <a:t>25/03/2025</a:t>
             </a:fld>
             <a:endParaRPr lang="en-GB" noProof="0" dirty="0"/>
           </a:p>
@@ -10011,7 +10011,7 @@
             <a:fld id="{A90DC808-9B4F-47F6-816E-B4DD926C39FF}" type="datetime1">
               <a:rPr lang="en-GB" noProof="0" smtClean="0"/>
               <a:pPr/>
-              <a:t>22/03/2025</a:t>
+              <a:t>25/03/2025</a:t>
             </a:fld>
             <a:endParaRPr lang="en-GB" noProof="0"/>
           </a:p>
@@ -10541,7 +10541,7 @@
             <a:fld id="{A90DC808-9B4F-47F6-816E-B4DD926C39FF}" type="datetime1">
               <a:rPr lang="en-GB" noProof="0" smtClean="0"/>
               <a:pPr/>
-              <a:t>22/03/2025</a:t>
+              <a:t>25/03/2025</a:t>
             </a:fld>
             <a:endParaRPr lang="en-GB" noProof="0"/>
           </a:p>
@@ -10904,7 +10904,7 @@
             <a:fld id="{A90DC808-9B4F-47F6-816E-B4DD926C39FF}" type="datetime1">
               <a:rPr lang="en-GB" noProof="0" smtClean="0"/>
               <a:pPr/>
-              <a:t>22/03/2025</a:t>
+              <a:t>25/03/2025</a:t>
             </a:fld>
             <a:endParaRPr lang="en-GB" noProof="0"/>
           </a:p>
@@ -11230,7 +11230,7 @@
             <a:fld id="{A90DC808-9B4F-47F6-816E-B4DD926C39FF}" type="datetime1">
               <a:rPr lang="en-GB" noProof="0" smtClean="0"/>
               <a:pPr/>
-              <a:t>22/03/2025</a:t>
+              <a:t>25/03/2025</a:t>
             </a:fld>
             <a:endParaRPr lang="en-GB" noProof="0"/>
           </a:p>
@@ -11686,7 +11686,7 @@
             <a:fld id="{A90DC808-9B4F-47F6-816E-B4DD926C39FF}" type="datetime1">
               <a:rPr lang="en-GB" noProof="0" smtClean="0"/>
               <a:pPr/>
-              <a:t>22/03/2025</a:t>
+              <a:t>25/03/2025</a:t>
             </a:fld>
             <a:endParaRPr lang="en-GB" noProof="0"/>
           </a:p>
@@ -12174,7 +12174,7 @@
             <a:fld id="{A90DC808-9B4F-47F6-816E-B4DD926C39FF}" type="datetime1">
               <a:rPr lang="en-GB" noProof="0" smtClean="0"/>
               <a:pPr/>
-              <a:t>22/03/2025</a:t>
+              <a:t>25/03/2025</a:t>
             </a:fld>
             <a:endParaRPr lang="en-GB" noProof="0"/>
           </a:p>
@@ -12778,7 +12778,7 @@
             <a:fld id="{A90DC808-9B4F-47F6-816E-B4DD926C39FF}" type="datetime1">
               <a:rPr lang="en-GB" noProof="0" smtClean="0"/>
               <a:pPr/>
-              <a:t>22/03/2025</a:t>
+              <a:t>25/03/2025</a:t>
             </a:fld>
             <a:endParaRPr lang="en-GB" noProof="0"/>
           </a:p>
@@ -12976,7 +12976,7 @@
             <a:fld id="{A90DC808-9B4F-47F6-816E-B4DD926C39FF}" type="datetime1">
               <a:rPr lang="en-GB" noProof="0" smtClean="0"/>
               <a:pPr/>
-              <a:t>22/03/2025</a:t>
+              <a:t>25/03/2025</a:t>
             </a:fld>
             <a:endParaRPr lang="en-GB" noProof="0"/>
           </a:p>
@@ -13637,8 +13637,12 @@
           <a:lstStyle/>
           <a:p>
             <a:r>
+              <a:rPr lang="en-GB" dirty="0"/>
+              <a:t>Project 16 | </a:t>
+            </a:r>
+            <a:r>
               <a:rPr lang="en-GB" noProof="0" dirty="0"/>
-              <a:t>Janne Taskinen | janne.taskinen@tuni.fi</a:t>
+              <a:t>Team: Jannet |  Members: Janne Taskinen | janne.taskinen@tuni.fi</a:t>
             </a:r>
           </a:p>
         </p:txBody>
@@ -13667,7 +13671,7 @@
             <a:fld id="{A90DC808-9B4F-47F6-816E-B4DD926C39FF}" type="datetime1">
               <a:rPr lang="en-GB" noProof="0" smtClean="0"/>
               <a:pPr/>
-              <a:t>22/03/2025</a:t>
+              <a:t>25/03/2025</a:t>
             </a:fld>
             <a:endParaRPr lang="en-GB" noProof="0"/>
           </a:p>
@@ -13797,7 +13801,7 @@
             <a:fld id="{A90DC808-9B4F-47F6-816E-B4DD926C39FF}" type="datetime1">
               <a:rPr lang="en-GB" noProof="0" smtClean="0"/>
               <a:pPr/>
-              <a:t>22/03/2025</a:t>
+              <a:t>25/03/2025</a:t>
             </a:fld>
             <a:endParaRPr lang="en-GB" noProof="0"/>
           </a:p>
@@ -16151,7 +16155,7 @@
             <a:fld id="{A90DC808-9B4F-47F6-816E-B4DD926C39FF}" type="datetime1">
               <a:rPr lang="en-GB" noProof="0" smtClean="0"/>
               <a:pPr/>
-              <a:t>22/03/2025</a:t>
+              <a:t>25/03/2025</a:t>
             </a:fld>
             <a:endParaRPr lang="en-GB" noProof="0"/>
           </a:p>
@@ -16419,7 +16423,7 @@
             <a:fld id="{A90DC808-9B4F-47F6-816E-B4DD926C39FF}" type="datetime1">
               <a:rPr lang="en-GB" noProof="0" smtClean="0"/>
               <a:pPr/>
-              <a:t>22/03/2025</a:t>
+              <a:t>25/03/2025</a:t>
             </a:fld>
             <a:endParaRPr lang="en-GB" noProof="0"/>
           </a:p>
@@ -17333,7 +17337,7 @@
             <a:fld id="{A90DC808-9B4F-47F6-816E-B4DD926C39FF}" type="datetime1">
               <a:rPr lang="en-GB" noProof="0" smtClean="0"/>
               <a:pPr/>
-              <a:t>22/03/2025</a:t>
+              <a:t>25/03/2025</a:t>
             </a:fld>
             <a:endParaRPr lang="en-GB" noProof="0"/>
           </a:p>
@@ -17590,7 +17594,7 @@
             <a:fld id="{A90DC808-9B4F-47F6-816E-B4DD926C39FF}" type="datetime1">
               <a:rPr lang="en-GB" noProof="0" smtClean="0"/>
               <a:pPr/>
-              <a:t>22/03/2025</a:t>
+              <a:t>25/03/2025</a:t>
             </a:fld>
             <a:endParaRPr lang="en-GB" noProof="0"/>
           </a:p>
